--- a/courses/su/cs211/files/lecture_01.pptx
+++ b/courses/su/cs211/files/lecture_01.pptx
@@ -18109,8 +18109,12 @@
           <a:p>
             <a:pPr lvl="1"/>
             <a:r>
+              <a:rPr lang="en-US"/>
+              <a:t>Tutorials: </a:t>
+            </a:r>
+            <a:r>
               <a:rPr lang="en-US" dirty="0"/>
-              <a:t>Tutorial/lab: Sunday 1:00pm – 2:50pm</a:t>
+              <a:t>Sunday 1:00pm – 2:50pm</a:t>
             </a:r>
           </a:p>
           <a:p>
